--- a/PPT/22_仿射空间.pptx
+++ b/PPT/22_仿射空间.pptx
@@ -336,7 +336,7 @@
               <a:pPr>
                 <a:defRPr/>
               </a:pPr>
-              <a:t>2017/8/17</a:t>
+              <a:t>2017/8/22</a:t>
             </a:fld>
             <a:endParaRPr lang="zh-CN" altLang="en-US" sz="1200"/>
           </a:p>
@@ -4359,8 +4359,8 @@
           </a:p>
         </p:txBody>
       </p:sp>
-      <mc:AlternateContent xmlns:mc="http://schemas.openxmlformats.org/markup-compatibility/2006">
-        <mc:Choice xmlns:a14="http://schemas.microsoft.com/office/drawing/2010/main" Requires="a14">
+      <mc:AlternateContent xmlns:mc="http://schemas.openxmlformats.org/markup-compatibility/2006" xmlns:a14="http://schemas.microsoft.com/office/drawing/2010/main">
+        <mc:Choice Requires="a14">
           <p:sp>
             <p:nvSpPr>
               <p:cNvPr id="4" name="Content Placeholder 3">
@@ -6309,20 +6309,7 @@
                               <a:latin typeface="Cambria Math" panose="02040503050406030204" pitchFamily="18" charset="0"/>
                               <a:ea typeface="微软雅黑 Light" panose="020B0502040204020203" pitchFamily="34" charset="-122"/>
                             </a:rPr>
-                            <m:t>=</m:t>
-                          </m:r>
-                          <m:r>
-                            <a:rPr lang="en-US" altLang="zh-CN" sz="1800" i="1">
-                              <a:solidFill>
-                                <a:schemeClr val="tx1">
-                                  <a:lumMod val="65000"/>
-                                  <a:lumOff val="35000"/>
-                                </a:schemeClr>
-                              </a:solidFill>
-                              <a:latin typeface="Cambria Math" panose="02040503050406030204" pitchFamily="18" charset="0"/>
-                              <a:ea typeface="微软雅黑 Light" panose="020B0502040204020203" pitchFamily="34" charset="-122"/>
-                            </a:rPr>
-                            <m:t>2</m:t>
+                            <m:t>=2</m:t>
                           </m:r>
                         </m:sub>
                         <m:sup>
@@ -6594,7 +6581,7 @@
             </p:txBody>
           </p:sp>
         </mc:Choice>
-        <mc:Fallback>
+        <mc:Fallback xmlns="">
           <p:sp>
             <p:nvSpPr>
               <p:cNvPr id="4" name="Content Placeholder 3">
@@ -6639,8 +6626,8 @@
           </p:sp>
         </mc:Fallback>
       </mc:AlternateContent>
-      <mc:AlternateContent xmlns:mc="http://schemas.openxmlformats.org/markup-compatibility/2006">
-        <mc:Choice xmlns:a14="http://schemas.microsoft.com/office/drawing/2010/main" Requires="a14">
+      <mc:AlternateContent xmlns:mc="http://schemas.openxmlformats.org/markup-compatibility/2006" xmlns:a14="http://schemas.microsoft.com/office/drawing/2010/main">
+        <mc:Choice Requires="a14">
           <p:sp>
             <p:nvSpPr>
               <p:cNvPr id="2" name="矩形 1">
@@ -6668,6 +6655,7 @@
               </a:bodyPr>
               <a:lstStyle/>
               <a:p>
+                <a:pPr/>
                 <a14:m>
                   <m:oMathPara xmlns:m="http://schemas.openxmlformats.org/officeDocument/2006/math">
                     <m:oMathParaPr>
@@ -6708,7 +6696,7 @@
             </p:txBody>
           </p:sp>
         </mc:Choice>
-        <mc:Fallback>
+        <mc:Fallback xmlns="">
           <p:sp>
             <p:nvSpPr>
               <p:cNvPr id="2" name="矩形 1">
@@ -6982,8 +6970,8 @@
           </a:p>
         </p:txBody>
       </p:sp>
-      <mc:AlternateContent xmlns:mc="http://schemas.openxmlformats.org/markup-compatibility/2006">
-        <mc:Choice xmlns:a14="http://schemas.microsoft.com/office/drawing/2010/main" Requires="a14">
+      <mc:AlternateContent xmlns:mc="http://schemas.openxmlformats.org/markup-compatibility/2006" xmlns:a14="http://schemas.microsoft.com/office/drawing/2010/main">
+        <mc:Choice Requires="a14">
           <p:sp>
             <p:nvSpPr>
               <p:cNvPr id="4" name="Content Placeholder 3">
@@ -8932,20 +8920,7 @@
                               <a:latin typeface="Cambria Math" panose="02040503050406030204" pitchFamily="18" charset="0"/>
                               <a:ea typeface="微软雅黑 Light" panose="020B0502040204020203" pitchFamily="34" charset="-122"/>
                             </a:rPr>
-                            <m:t>=</m:t>
-                          </m:r>
-                          <m:r>
-                            <a:rPr lang="en-US" altLang="zh-CN" sz="1800" i="1">
-                              <a:solidFill>
-                                <a:schemeClr val="tx1">
-                                  <a:lumMod val="65000"/>
-                                  <a:lumOff val="35000"/>
-                                </a:schemeClr>
-                              </a:solidFill>
-                              <a:latin typeface="Cambria Math" panose="02040503050406030204" pitchFamily="18" charset="0"/>
-                              <a:ea typeface="微软雅黑 Light" panose="020B0502040204020203" pitchFamily="34" charset="-122"/>
-                            </a:rPr>
-                            <m:t>2</m:t>
+                            <m:t>=2</m:t>
                           </m:r>
                         </m:sub>
                         <m:sup>
@@ -9217,7 +9192,7 @@
             </p:txBody>
           </p:sp>
         </mc:Choice>
-        <mc:Fallback>
+        <mc:Fallback xmlns="">
           <p:sp>
             <p:nvSpPr>
               <p:cNvPr id="4" name="Content Placeholder 3">
@@ -9262,8 +9237,8 @@
           </p:sp>
         </mc:Fallback>
       </mc:AlternateContent>
-      <mc:AlternateContent xmlns:mc="http://schemas.openxmlformats.org/markup-compatibility/2006">
-        <mc:Choice xmlns:a14="http://schemas.microsoft.com/office/drawing/2010/main" Requires="a14">
+      <mc:AlternateContent xmlns:mc="http://schemas.openxmlformats.org/markup-compatibility/2006" xmlns:a14="http://schemas.microsoft.com/office/drawing/2010/main">
+        <mc:Choice Requires="a14">
           <p:sp>
             <p:nvSpPr>
               <p:cNvPr id="2" name="矩形 1">
@@ -9291,6 +9266,7 @@
               </a:bodyPr>
               <a:lstStyle/>
               <a:p>
+                <a:pPr/>
                 <a14:m>
                   <m:oMathPara xmlns:m="http://schemas.openxmlformats.org/officeDocument/2006/math">
                     <m:oMathParaPr>
@@ -9331,7 +9307,7 @@
             </p:txBody>
           </p:sp>
         </mc:Choice>
-        <mc:Fallback>
+        <mc:Fallback xmlns="">
           <p:sp>
             <p:nvSpPr>
               <p:cNvPr id="2" name="矩形 1">
@@ -9605,8 +9581,8 @@
           </a:p>
         </p:txBody>
       </p:sp>
-      <mc:AlternateContent xmlns:mc="http://schemas.openxmlformats.org/markup-compatibility/2006">
-        <mc:Choice xmlns:a14="http://schemas.microsoft.com/office/drawing/2010/main" Requires="a14">
+      <mc:AlternateContent xmlns:mc="http://schemas.openxmlformats.org/markup-compatibility/2006" xmlns:a14="http://schemas.microsoft.com/office/drawing/2010/main">
+        <mc:Choice Requires="a14">
           <p:sp>
             <p:nvSpPr>
               <p:cNvPr id="4" name="Content Placeholder 3">
@@ -10665,7 +10641,7 @@
             </p:txBody>
           </p:sp>
         </mc:Choice>
-        <mc:Fallback>
+        <mc:Fallback xmlns="">
           <p:sp>
             <p:nvSpPr>
               <p:cNvPr id="4" name="Content Placeholder 3">
@@ -12936,7 +12912,7 @@
                 <a:latin typeface="微软雅黑 Light" panose="020B0502040204020203" pitchFamily="34" charset="-122"/>
                 <a:ea typeface="微软雅黑 Light" panose="020B0502040204020203" pitchFamily="34" charset="-122"/>
               </a:rPr>
-              <a:t>如果选定不同的坐标，点和向量就会得到不同的坐标</a:t>
+              <a:t>如果选定不同的坐标系，点和向量就会得到不同的坐标</a:t>
             </a:r>
             <a:endParaRPr lang="en-US" altLang="zh-CN" sz="2400" dirty="0">
               <a:solidFill>
@@ -13745,8 +13721,8 @@
           </a:p>
         </p:txBody>
       </p:sp>
-      <mc:AlternateContent xmlns:mc="http://schemas.openxmlformats.org/markup-compatibility/2006">
-        <mc:Choice xmlns:a14="http://schemas.microsoft.com/office/drawing/2010/main" Requires="a14">
+      <mc:AlternateContent xmlns:mc="http://schemas.openxmlformats.org/markup-compatibility/2006" xmlns:a14="http://schemas.microsoft.com/office/drawing/2010/main">
+        <mc:Choice Requires="a14">
           <p:sp>
             <p:nvSpPr>
               <p:cNvPr id="4" name="Content Placeholder 3">
@@ -14891,7 +14867,7 @@
             </p:txBody>
           </p:sp>
         </mc:Choice>
-        <mc:Fallback>
+        <mc:Fallback xmlns="">
           <p:sp>
             <p:nvSpPr>
               <p:cNvPr id="4" name="Content Placeholder 3">
@@ -15107,8 +15083,8 @@
           </a:p>
         </p:txBody>
       </p:sp>
-      <mc:AlternateContent xmlns:mc="http://schemas.openxmlformats.org/markup-compatibility/2006">
-        <mc:Choice xmlns:a14="http://schemas.microsoft.com/office/drawing/2010/main" Requires="a14">
+      <mc:AlternateContent xmlns:mc="http://schemas.openxmlformats.org/markup-compatibility/2006" xmlns:a14="http://schemas.microsoft.com/office/drawing/2010/main">
+        <mc:Choice Requires="a14">
           <p:sp>
             <p:nvSpPr>
               <p:cNvPr id="4" name="Content Placeholder 3">
@@ -15354,7 +15330,7 @@
             </p:txBody>
           </p:sp>
         </mc:Choice>
-        <mc:Fallback>
+        <mc:Fallback xmlns="">
           <p:sp>
             <p:nvSpPr>
               <p:cNvPr id="4" name="Content Placeholder 3">
@@ -15570,8 +15546,8 @@
           </a:p>
         </p:txBody>
       </p:sp>
-      <mc:AlternateContent xmlns:mc="http://schemas.openxmlformats.org/markup-compatibility/2006">
-        <mc:Choice xmlns:a14="http://schemas.microsoft.com/office/drawing/2010/main" Requires="a14">
+      <mc:AlternateContent xmlns:mc="http://schemas.openxmlformats.org/markup-compatibility/2006" xmlns:a14="http://schemas.microsoft.com/office/drawing/2010/main">
+        <mc:Choice Requires="a14">
           <p:sp>
             <p:nvSpPr>
               <p:cNvPr id="4" name="Content Placeholder 3">
@@ -16365,7 +16341,7 @@
             </p:txBody>
           </p:sp>
         </mc:Choice>
-        <mc:Fallback>
+        <mc:Fallback xmlns="">
           <p:sp>
             <p:nvSpPr>
               <p:cNvPr id="4" name="Content Placeholder 3">
@@ -16581,8 +16557,8 @@
           </a:p>
         </p:txBody>
       </p:sp>
-      <mc:AlternateContent xmlns:mc="http://schemas.openxmlformats.org/markup-compatibility/2006">
-        <mc:Choice xmlns:a14="http://schemas.microsoft.com/office/drawing/2010/main" Requires="a14">
+      <mc:AlternateContent xmlns:mc="http://schemas.openxmlformats.org/markup-compatibility/2006" xmlns:a14="http://schemas.microsoft.com/office/drawing/2010/main">
+        <mc:Choice Requires="a14">
           <p:sp>
             <p:nvSpPr>
               <p:cNvPr id="4" name="Content Placeholder 3">
@@ -18409,7 +18385,7 @@
             </p:txBody>
           </p:sp>
         </mc:Choice>
-        <mc:Fallback>
+        <mc:Fallback xmlns="">
           <p:sp>
             <p:nvSpPr>
               <p:cNvPr id="4" name="Content Placeholder 3">
@@ -18625,8 +18601,8 @@
           </a:p>
         </p:txBody>
       </p:sp>
-      <mc:AlternateContent xmlns:mc="http://schemas.openxmlformats.org/markup-compatibility/2006">
-        <mc:Choice xmlns:a14="http://schemas.microsoft.com/office/drawing/2010/main" Requires="a14">
+      <mc:AlternateContent xmlns:mc="http://schemas.openxmlformats.org/markup-compatibility/2006" xmlns:a14="http://schemas.microsoft.com/office/drawing/2010/main">
+        <mc:Choice Requires="a14">
           <p:sp>
             <p:nvSpPr>
               <p:cNvPr id="4" name="Content Placeholder 3">
@@ -20575,20 +20551,7 @@
                               <a:latin typeface="Cambria Math" panose="02040503050406030204" pitchFamily="18" charset="0"/>
                               <a:ea typeface="微软雅黑 Light" panose="020B0502040204020203" pitchFamily="34" charset="-122"/>
                             </a:rPr>
-                            <m:t>=</m:t>
-                          </m:r>
-                          <m:r>
-                            <a:rPr lang="en-US" altLang="zh-CN" sz="1800" i="1">
-                              <a:solidFill>
-                                <a:schemeClr val="tx1">
-                                  <a:lumMod val="65000"/>
-                                  <a:lumOff val="35000"/>
-                                </a:schemeClr>
-                              </a:solidFill>
-                              <a:latin typeface="Cambria Math" panose="02040503050406030204" pitchFamily="18" charset="0"/>
-                              <a:ea typeface="微软雅黑 Light" panose="020B0502040204020203" pitchFamily="34" charset="-122"/>
-                            </a:rPr>
-                            <m:t>2</m:t>
+                            <m:t>=2</m:t>
                           </m:r>
                         </m:sub>
                         <m:sup>
@@ -20860,7 +20823,7 @@
             </p:txBody>
           </p:sp>
         </mc:Choice>
-        <mc:Fallback>
+        <mc:Fallback xmlns="">
           <p:sp>
             <p:nvSpPr>
               <p:cNvPr id="4" name="Content Placeholder 3">
